--- a/PPT/33_OpenCV配置.pptx
+++ b/PPT/33_OpenCV配置.pptx
@@ -5,7 +5,7 @@
     <p:sldMasterId id="2147483648" r:id="rId1"/>
   </p:sldMasterIdLst>
   <p:notesMasterIdLst>
-    <p:notesMasterId r:id="rId8"/>
+    <p:notesMasterId r:id="rId9"/>
   </p:notesMasterIdLst>
   <p:sldIdLst>
     <p:sldId id="256" r:id="rId2"/>
@@ -13,7 +13,8 @@
     <p:sldId id="260" r:id="rId4"/>
     <p:sldId id="269" r:id="rId5"/>
     <p:sldId id="272" r:id="rId6"/>
-    <p:sldId id="259" r:id="rId7"/>
+    <p:sldId id="273" r:id="rId7"/>
+    <p:sldId id="259" r:id="rId8"/>
   </p:sldIdLst>
   <p:sldSz cx="9144000" cy="5143500" type="screen16x9"/>
   <p:notesSz cx="6858000" cy="9144000"/>
@@ -5842,6 +5843,391 @@
 </file>
 
 <file path=ppt/slides/slide6.xml><?xml version="1.0" encoding="utf-8"?>
+<p:sld xmlns:a="http://schemas.openxmlformats.org/drawingml/2006/main" xmlns:r="http://schemas.openxmlformats.org/officeDocument/2006/relationships" xmlns:p="http://schemas.openxmlformats.org/presentationml/2006/main">
+  <p:cSld>
+    <p:spTree>
+      <p:nvGrpSpPr>
+        <p:cNvPr id="1" name=""/>
+        <p:cNvGrpSpPr/>
+        <p:nvPr/>
+      </p:nvGrpSpPr>
+      <p:grpSpPr>
+        <a:xfrm>
+          <a:off x="0" y="0"/>
+          <a:ext cx="0" cy="0"/>
+          <a:chOff x="0" y="0"/>
+          <a:chExt cx="0" cy="0"/>
+        </a:xfrm>
+      </p:grpSpPr>
+      <p:pic>
+        <p:nvPicPr>
+          <p:cNvPr id="7" name="图片 6">
+            <a:extLst>
+              <a:ext uri="{FF2B5EF4-FFF2-40B4-BE49-F238E27FC236}">
+                <a16:creationId xmlns:a16="http://schemas.microsoft.com/office/drawing/2014/main" id="{FC07C23C-802D-4132-84F6-F1423D902F50}"/>
+              </a:ext>
+            </a:extLst>
+          </p:cNvPr>
+          <p:cNvPicPr>
+            <a:picLocks noChangeAspect="1"/>
+          </p:cNvPicPr>
+          <p:nvPr/>
+        </p:nvPicPr>
+        <p:blipFill>
+          <a:blip r:embed="rId2"/>
+          <a:stretch>
+            <a:fillRect/>
+          </a:stretch>
+        </p:blipFill>
+        <p:spPr>
+          <a:xfrm>
+            <a:off x="5839840" y="1207347"/>
+            <a:ext cx="3168265" cy="3123147"/>
+          </a:xfrm>
+          <a:prstGeom prst="rect">
+            <a:avLst/>
+          </a:prstGeom>
+        </p:spPr>
+      </p:pic>
+      <p:pic>
+        <p:nvPicPr>
+          <p:cNvPr id="3" name="图片 2">
+            <a:extLst>
+              <a:ext uri="{FF2B5EF4-FFF2-40B4-BE49-F238E27FC236}">
+                <a16:creationId xmlns:a16="http://schemas.microsoft.com/office/drawing/2014/main" id="{24A9645B-35A8-43A5-8E71-D2E9A88874CE}"/>
+              </a:ext>
+            </a:extLst>
+          </p:cNvPr>
+          <p:cNvPicPr>
+            <a:picLocks noChangeAspect="1"/>
+          </p:cNvPicPr>
+          <p:nvPr/>
+        </p:nvPicPr>
+        <p:blipFill>
+          <a:blip r:embed="rId3"/>
+          <a:stretch>
+            <a:fillRect/>
+          </a:stretch>
+        </p:blipFill>
+        <p:spPr>
+          <a:xfrm>
+            <a:off x="179233" y="1203636"/>
+            <a:ext cx="4797567" cy="3245734"/>
+          </a:xfrm>
+          <a:prstGeom prst="rect">
+            <a:avLst/>
+          </a:prstGeom>
+        </p:spPr>
+      </p:pic>
+      <p:pic>
+        <p:nvPicPr>
+          <p:cNvPr id="4098" name="Picture 2">
+            <a:extLst>
+              <a:ext uri="{FF2B5EF4-FFF2-40B4-BE49-F238E27FC236}">
+                <a16:creationId xmlns:a16="http://schemas.microsoft.com/office/drawing/2014/main" id="{A96716DA-8FB6-4DD1-BD80-A313969D137B}"/>
+              </a:ext>
+            </a:extLst>
+          </p:cNvPr>
+          <p:cNvPicPr>
+            <a:picLocks noChangeAspect="1" noChangeArrowheads="1"/>
+          </p:cNvPicPr>
+          <p:nvPr/>
+        </p:nvPicPr>
+        <p:blipFill>
+          <a:blip r:embed="rId4">
+            <a:extLst>
+              <a:ext uri="{28A0092B-C50C-407E-A947-70E740481C1C}">
+                <a14:useLocalDpi xmlns:a14="http://schemas.microsoft.com/office/drawing/2010/main" val="0"/>
+              </a:ext>
+            </a:extLst>
+          </a:blip>
+          <a:srcRect/>
+          <a:stretch>
+            <a:fillRect/>
+          </a:stretch>
+        </p:blipFill>
+        <p:spPr bwMode="auto">
+          <a:xfrm>
+            <a:off x="7956550" y="4606925"/>
+            <a:ext cx="1081088" cy="450850"/>
+          </a:xfrm>
+          <a:prstGeom prst="rect">
+            <a:avLst/>
+          </a:prstGeom>
+          <a:noFill/>
+          <a:ln>
+            <a:noFill/>
+          </a:ln>
+          <a:effectLst/>
+          <a:extLst>
+            <a:ext uri="{909E8E84-426E-40DD-AFC4-6F175D3DCCD1}">
+              <a14:hiddenFill xmlns:a14="http://schemas.microsoft.com/office/drawing/2010/main">
+                <a:solidFill>
+                  <a:srgbClr val="FFFFFF"/>
+                </a:solidFill>
+              </a14:hiddenFill>
+            </a:ext>
+            <a:ext uri="{91240B29-F687-4F45-9708-019B960494DF}">
+              <a14:hiddenLine xmlns:a14="http://schemas.microsoft.com/office/drawing/2010/main" w="9525">
+                <a:solidFill>
+                  <a:srgbClr val="000000"/>
+                </a:solidFill>
+                <a:miter lim="800000"/>
+                <a:headEnd/>
+                <a:tailEnd/>
+              </a14:hiddenLine>
+            </a:ext>
+            <a:ext uri="{AF507438-7753-43E0-B8FC-AC1667EBCBE1}">
+              <a14:hiddenEffects xmlns:a14="http://schemas.microsoft.com/office/drawing/2010/main">
+                <a:effectLst>
+                  <a:outerShdw dist="35921" dir="2700000" algn="ctr" rotWithShape="0">
+                    <a:srgbClr val="808080"/>
+                  </a:outerShdw>
+                </a:effectLst>
+              </a14:hiddenEffects>
+            </a:ext>
+          </a:extLst>
+        </p:spPr>
+      </p:pic>
+      <p:sp>
+        <p:nvSpPr>
+          <p:cNvPr id="4099" name="Title 1">
+            <a:extLst>
+              <a:ext uri="{FF2B5EF4-FFF2-40B4-BE49-F238E27FC236}">
+                <a16:creationId xmlns:a16="http://schemas.microsoft.com/office/drawing/2014/main" id="{0679F4AE-8C95-40EF-9691-A512FE51F31C}"/>
+              </a:ext>
+            </a:extLst>
+          </p:cNvPr>
+          <p:cNvSpPr>
+            <a:spLocks noGrp="1" noChangeArrowheads="1"/>
+          </p:cNvSpPr>
+          <p:nvPr>
+            <p:ph type="title"/>
+          </p:nvPr>
+        </p:nvSpPr>
+        <p:spPr bwMode="auto">
+          <a:xfrm>
+            <a:off x="457200" y="123825"/>
+            <a:ext cx="8229600" cy="711200"/>
+          </a:xfrm>
+          <a:noFill/>
+          <a:extLst>
+            <a:ext uri="{909E8E84-426E-40DD-AFC4-6F175D3DCCD1}">
+              <a14:hiddenFill xmlns:a14="http://schemas.microsoft.com/office/drawing/2010/main">
+                <a:solidFill>
+                  <a:srgbClr val="FFFFFF"/>
+                </a:solidFill>
+              </a14:hiddenFill>
+            </a:ext>
+            <a:ext uri="{91240B29-F687-4F45-9708-019B960494DF}">
+              <a14:hiddenLine xmlns:a14="http://schemas.microsoft.com/office/drawing/2010/main" w="9525">
+                <a:solidFill>
+                  <a:srgbClr val="000000"/>
+                </a:solidFill>
+                <a:miter lim="800000"/>
+                <a:headEnd/>
+                <a:tailEnd/>
+              </a14:hiddenLine>
+            </a:ext>
+          </a:extLst>
+        </p:spPr>
+        <p:txBody>
+          <a:bodyPr vert="horz" wrap="square" lIns="91440" tIns="45720" rIns="91440" bIns="45720" numCol="1" anchor="t" anchorCtr="0" compatLnSpc="1">
+            <a:prstTxWarp prst="textNoShape">
+              <a:avLst/>
+            </a:prstTxWarp>
+          </a:bodyPr>
+          <a:lstStyle/>
+          <a:p>
+            <a:pPr algn="l" eaLnBrk="1" hangingPunct="1"/>
+            <a:r>
+              <a:rPr lang="en-US" altLang="zh-CN" dirty="0">
+                <a:solidFill>
+                  <a:srgbClr val="C00000"/>
+                </a:solidFill>
+                <a:latin typeface="微软雅黑 Light" panose="020B0502040204020203" pitchFamily="34" charset="-122"/>
+                <a:ea typeface="微软雅黑 Light" panose="020B0502040204020203" pitchFamily="34" charset="-122"/>
+              </a:rPr>
+              <a:t>VS2017</a:t>
+            </a:r>
+            <a:r>
+              <a:rPr lang="zh-CN" altLang="en-US" dirty="0">
+                <a:solidFill>
+                  <a:srgbClr val="C00000"/>
+                </a:solidFill>
+                <a:latin typeface="微软雅黑 Light" panose="020B0502040204020203" pitchFamily="34" charset="-122"/>
+                <a:ea typeface="微软雅黑 Light" panose="020B0502040204020203" pitchFamily="34" charset="-122"/>
+              </a:rPr>
+              <a:t>环境配置</a:t>
+            </a:r>
+            <a:endParaRPr lang="en-US" altLang="zh-CN" dirty="0">
+              <a:solidFill>
+                <a:srgbClr val="C00000"/>
+              </a:solidFill>
+              <a:latin typeface="微软雅黑 Light" panose="020B0502040204020203" pitchFamily="34" charset="-122"/>
+              <a:ea typeface="微软雅黑 Light" panose="020B0502040204020203" pitchFamily="34" charset="-122"/>
+            </a:endParaRPr>
+          </a:p>
+        </p:txBody>
+      </p:sp>
+      <p:sp>
+        <p:nvSpPr>
+          <p:cNvPr id="5" name="矩形 4">
+            <a:extLst>
+              <a:ext uri="{FF2B5EF4-FFF2-40B4-BE49-F238E27FC236}">
+                <a16:creationId xmlns:a16="http://schemas.microsoft.com/office/drawing/2014/main" id="{C8038398-3C6C-4542-AFD0-1B0A62D3DEF0}"/>
+              </a:ext>
+            </a:extLst>
+          </p:cNvPr>
+          <p:cNvSpPr/>
+          <p:nvPr/>
+        </p:nvSpPr>
+        <p:spPr bwMode="auto">
+          <a:xfrm>
+            <a:off x="1448506" y="1635672"/>
+            <a:ext cx="3528294" cy="144012"/>
+          </a:xfrm>
+          <a:prstGeom prst="rect">
+            <a:avLst/>
+          </a:prstGeom>
+          <a:noFill/>
+          <a:ln w="19050" cap="flat" cmpd="sng" algn="ctr">
+            <a:solidFill>
+              <a:srgbClr val="FF0000"/>
+            </a:solidFill>
+            <a:prstDash val="solid"/>
+            <a:round/>
+            <a:headEnd type="none" w="med" len="med"/>
+            <a:tailEnd type="none" w="med" len="med"/>
+          </a:ln>
+          <a:effectLst/>
+          <a:extLst/>
+        </p:spPr>
+        <p:txBody>
+          <a:bodyPr vert="horz" wrap="square" lIns="91440" tIns="45720" rIns="91440" bIns="45720" numCol="1" rtlCol="0" anchor="t" anchorCtr="0" compatLnSpc="1">
+            <a:prstTxWarp prst="textNoShape">
+              <a:avLst/>
+            </a:prstTxWarp>
+          </a:bodyPr>
+          <a:lstStyle/>
+          <a:p>
+            <a:pPr marL="0" marR="0" indent="0" algn="l" defTabSz="914400" rtl="0" eaLnBrk="1" fontAlgn="base" latinLnBrk="0" hangingPunct="1">
+              <a:lnSpc>
+                <a:spcPct val="100000"/>
+              </a:lnSpc>
+              <a:spcBef>
+                <a:spcPct val="0"/>
+              </a:spcBef>
+              <a:spcAft>
+                <a:spcPct val="0"/>
+              </a:spcAft>
+              <a:buClrTx/>
+              <a:buSzTx/>
+              <a:buFont typeface="Arial" panose="020B0604020202020204" pitchFamily="34" charset="0"/>
+              <a:buNone/>
+              <a:tabLst/>
+            </a:pPr>
+            <a:endParaRPr kumimoji="0" lang="zh-CN" altLang="en-US" sz="1800" b="0" i="0" u="none" strike="noStrike" cap="none" normalizeH="0" baseline="0">
+              <a:ln>
+                <a:noFill/>
+              </a:ln>
+              <a:solidFill>
+                <a:schemeClr val="tx1"/>
+              </a:solidFill>
+              <a:effectLst/>
+              <a:latin typeface="Arial" panose="020B0604020202020204" pitchFamily="34" charset="0"/>
+              <a:ea typeface="宋体" panose="02010600030101010101" pitchFamily="2" charset="-122"/>
+            </a:endParaRPr>
+          </a:p>
+        </p:txBody>
+      </p:sp>
+      <p:sp>
+        <p:nvSpPr>
+          <p:cNvPr id="6" name="箭头: 右 5">
+            <a:extLst>
+              <a:ext uri="{FF2B5EF4-FFF2-40B4-BE49-F238E27FC236}">
+                <a16:creationId xmlns:a16="http://schemas.microsoft.com/office/drawing/2014/main" id="{49306795-6A06-42A4-BDDD-DF16D5375BF6}"/>
+              </a:ext>
+            </a:extLst>
+          </p:cNvPr>
+          <p:cNvSpPr/>
+          <p:nvPr/>
+        </p:nvSpPr>
+        <p:spPr bwMode="auto">
+          <a:xfrm>
+            <a:off x="5120497" y="2571750"/>
+            <a:ext cx="576048" cy="288024"/>
+          </a:xfrm>
+          <a:prstGeom prst="rightArrow">
+            <a:avLst/>
+          </a:prstGeom>
+          <a:solidFill>
+            <a:srgbClr val="FF0000"/>
+          </a:solidFill>
+          <a:ln w="9525" cap="flat" cmpd="sng" algn="ctr">
+            <a:solidFill>
+              <a:schemeClr val="tx1"/>
+            </a:solidFill>
+            <a:prstDash val="solid"/>
+            <a:round/>
+            <a:headEnd type="none" w="med" len="med"/>
+            <a:tailEnd type="none" w="med" len="med"/>
+          </a:ln>
+          <a:effectLst/>
+          <a:extLst/>
+        </p:spPr>
+        <p:txBody>
+          <a:bodyPr vert="horz" wrap="square" lIns="91440" tIns="45720" rIns="91440" bIns="45720" numCol="1" rtlCol="0" anchor="t" anchorCtr="0" compatLnSpc="1">
+            <a:prstTxWarp prst="textNoShape">
+              <a:avLst/>
+            </a:prstTxWarp>
+          </a:bodyPr>
+          <a:lstStyle/>
+          <a:p>
+            <a:pPr marL="0" marR="0" indent="0" algn="l" defTabSz="914400" rtl="0" eaLnBrk="1" fontAlgn="base" latinLnBrk="0" hangingPunct="1">
+              <a:lnSpc>
+                <a:spcPct val="100000"/>
+              </a:lnSpc>
+              <a:spcBef>
+                <a:spcPct val="0"/>
+              </a:spcBef>
+              <a:spcAft>
+                <a:spcPct val="0"/>
+              </a:spcAft>
+              <a:buClrTx/>
+              <a:buSzTx/>
+              <a:buFont typeface="Arial" panose="020B0604020202020204" pitchFamily="34" charset="0"/>
+              <a:buNone/>
+              <a:tabLst/>
+            </a:pPr>
+            <a:endParaRPr kumimoji="0" lang="zh-CN" altLang="en-US" sz="1800" b="0" i="0" u="none" strike="noStrike" cap="none" normalizeH="0" baseline="0">
+              <a:ln>
+                <a:noFill/>
+              </a:ln>
+              <a:solidFill>
+                <a:schemeClr val="tx1"/>
+              </a:solidFill>
+              <a:effectLst/>
+              <a:latin typeface="Arial" panose="020B0604020202020204" pitchFamily="34" charset="0"/>
+              <a:ea typeface="宋体" panose="02010600030101010101" pitchFamily="2" charset="-122"/>
+            </a:endParaRPr>
+          </a:p>
+        </p:txBody>
+      </p:sp>
+    </p:spTree>
+    <p:extLst>
+      <p:ext uri="{BB962C8B-B14F-4D97-AF65-F5344CB8AC3E}">
+        <p14:creationId xmlns:p14="http://schemas.microsoft.com/office/powerpoint/2010/main" val="2298327063"/>
+      </p:ext>
+    </p:extLst>
+  </p:cSld>
+  <p:clrMapOvr>
+    <a:masterClrMapping/>
+  </p:clrMapOvr>
+</p:sld>
+</file>
+
+<file path=ppt/slides/slide7.xml><?xml version="1.0" encoding="utf-8"?>
 <p:sld xmlns:a="http://schemas.openxmlformats.org/drawingml/2006/main" xmlns:r="http://schemas.openxmlformats.org/officeDocument/2006/relationships" xmlns:p="http://schemas.openxmlformats.org/presentationml/2006/main">
   <p:cSld>
     <p:spTree>
